--- a/Week 1/Week 1.pptx
+++ b/Week 1/Week 1.pptx
@@ -5373,7 +5373,7 @@
           <a:graphicData uri="http://schemas.openxmlformats.org/presentationml/2006/ole">
             <mc:AlternateContent xmlns:mc="http://schemas.openxmlformats.org/markup-compatibility/2006">
               <mc:Choice xmlns:v="urn:schemas-microsoft-com:vml" Requires="v">
-                <p:oleObj spid="_x0000_s2055" name="Equation" r:id="rId4" imgW="2209680" imgH="253800" progId="Equation.DSMT4">
+                <p:oleObj spid="_x0000_s2056" name="Equation" r:id="rId4" imgW="2209680" imgH="253800" progId="Equation.DSMT4">
                   <p:embed/>
                 </p:oleObj>
               </mc:Choice>
@@ -6366,8 +6366,8 @@
           </a:p>
         </p:txBody>
       </p:sp>
-      <mc:AlternateContent xmlns:mc="http://schemas.openxmlformats.org/markup-compatibility/2006" xmlns:a14="http://schemas.microsoft.com/office/drawing/2010/main">
-        <mc:Choice Requires="a14">
+      <mc:AlternateContent xmlns:mc="http://schemas.openxmlformats.org/markup-compatibility/2006">
+        <mc:Choice xmlns:a14="http://schemas.microsoft.com/office/drawing/2010/main" Requires="a14">
           <p:sp>
             <p:nvSpPr>
               <p:cNvPr id="3" name="Content Placeholder 2">
@@ -6758,7 +6758,7 @@
                                 <a:rPr lang="en-US" b="0" i="1" smtClean="0">
                                   <a:latin typeface="Cambria Math" panose="02040503050406030204" pitchFamily="18" charset="0"/>
                                 </a:rPr>
-                                <m:t>;</m:t>
+                                <m:t>|</m:t>
                               </m:r>
                               <m:r>
                                 <a:rPr lang="en-US" i="1">
@@ -7081,7 +7081,7 @@
             </p:txBody>
           </p:sp>
         </mc:Choice>
-        <mc:Fallback xmlns="">
+        <mc:Fallback>
           <p:sp>
             <p:nvSpPr>
               <p:cNvPr id="3" name="Content Placeholder 2">

--- a/Week 1/Week 1.pptx
+++ b/Week 1/Week 1.pptx
@@ -5373,7 +5373,7 @@
           <a:graphicData uri="http://schemas.openxmlformats.org/presentationml/2006/ole">
             <mc:AlternateContent xmlns:mc="http://schemas.openxmlformats.org/markup-compatibility/2006">
               <mc:Choice xmlns:v="urn:schemas-microsoft-com:vml" Requires="v">
-                <p:oleObj spid="_x0000_s2056" name="Equation" r:id="rId4" imgW="2209680" imgH="253800" progId="Equation.DSMT4">
+                <p:oleObj spid="_x0000_s2057" name="Equation" r:id="rId4" imgW="2209680" imgH="253800" progId="Equation.DSMT4">
                   <p:embed/>
                 </p:oleObj>
               </mc:Choice>
@@ -9478,160 +9478,6 @@
           </a:p>
         </p:txBody>
       </p:sp>
-      <p:grpSp>
-        <p:nvGrpSpPr>
-          <p:cNvPr id="6" name="Group 5">
-            <a:extLst>
-              <a:ext uri="{FF2B5EF4-FFF2-40B4-BE49-F238E27FC236}">
-                <a16:creationId xmlns:a16="http://schemas.microsoft.com/office/drawing/2014/main" id="{8EB46394-F5E1-4997-8786-4E11280F45D9}"/>
-              </a:ext>
-            </a:extLst>
-          </p:cNvPr>
-          <p:cNvGrpSpPr/>
-          <p:nvPr/>
-        </p:nvGrpSpPr>
-        <p:grpSpPr>
-          <a:xfrm>
-            <a:off x="8172530" y="3779410"/>
-            <a:ext cx="2406316" cy="2512297"/>
-            <a:chOff x="5948413" y="4051311"/>
-            <a:chExt cx="2406316" cy="2512297"/>
-          </a:xfrm>
-        </p:grpSpPr>
-        <p:pic>
-          <p:nvPicPr>
-            <p:cNvPr id="4100" name="Picture 4" descr="Image result for thor hammer">
-              <a:extLst>
-                <a:ext uri="{FF2B5EF4-FFF2-40B4-BE49-F238E27FC236}">
-                  <a16:creationId xmlns:a16="http://schemas.microsoft.com/office/drawing/2014/main" id="{D95F2449-E0D6-4091-9602-6931299636BB}"/>
-                </a:ext>
-              </a:extLst>
-            </p:cNvPr>
-            <p:cNvPicPr>
-              <a:picLocks noChangeAspect="1" noChangeArrowheads="1"/>
-            </p:cNvPicPr>
-            <p:nvPr/>
-          </p:nvPicPr>
-          <p:blipFill rotWithShape="1">
-            <a:blip r:embed="rId2">
-              <a:extLst>
-                <a:ext uri="{28A0092B-C50C-407E-A947-70E740481C1C}">
-                  <a14:useLocalDpi xmlns:a14="http://schemas.microsoft.com/office/drawing/2010/main" val="0"/>
-                </a:ext>
-              </a:extLst>
-            </a:blip>
-            <a:srcRect l="23037" r="17062"/>
-            <a:stretch/>
-          </p:blipFill>
-          <p:spPr bwMode="auto">
-            <a:xfrm>
-              <a:off x="5948413" y="4051311"/>
-              <a:ext cx="2406316" cy="2512297"/>
-            </a:xfrm>
-            <a:prstGeom prst="rect">
-              <a:avLst/>
-            </a:prstGeom>
-            <a:noFill/>
-            <a:extLst>
-              <a:ext uri="{909E8E84-426E-40DD-AFC4-6F175D3DCCD1}">
-                <a14:hiddenFill xmlns:a14="http://schemas.microsoft.com/office/drawing/2010/main">
-                  <a:solidFill>
-                    <a:srgbClr val="FFFFFF"/>
-                  </a:solidFill>
-                </a14:hiddenFill>
-              </a:ext>
-            </a:extLst>
-          </p:spPr>
-        </p:pic>
-        <p:sp>
-          <p:nvSpPr>
-            <p:cNvPr id="4" name="TextBox 3">
-              <a:extLst>
-                <a:ext uri="{FF2B5EF4-FFF2-40B4-BE49-F238E27FC236}">
-                  <a16:creationId xmlns:a16="http://schemas.microsoft.com/office/drawing/2014/main" id="{D33E75B3-647F-4DB9-AE26-88DF227A1A16}"/>
-                </a:ext>
-              </a:extLst>
-            </p:cNvPr>
-            <p:cNvSpPr txBox="1"/>
-            <p:nvPr/>
-          </p:nvSpPr>
-          <p:spPr>
-            <a:xfrm>
-              <a:off x="7199697" y="6286609"/>
-              <a:ext cx="1155032" cy="276999"/>
-            </a:xfrm>
-            <a:prstGeom prst="rect">
-              <a:avLst/>
-            </a:prstGeom>
-            <a:noFill/>
-          </p:spPr>
-          <p:txBody>
-            <a:bodyPr wrap="square" rtlCol="0">
-              <a:spAutoFit/>
-            </a:bodyPr>
-            <a:lstStyle/>
-            <a:p>
-              <a:pPr algn="r"/>
-              <a:r>
-                <a:rPr lang="en-US" sz="1200" dirty="0">
-                  <a:solidFill>
-                    <a:schemeClr val="bg1"/>
-                  </a:solidFill>
-                </a:rPr>
-                <a:t>www.vix.com</a:t>
-              </a:r>
-            </a:p>
-          </p:txBody>
-        </p:sp>
-        <p:sp>
-          <p:nvSpPr>
-            <p:cNvPr id="5" name="TextBox 4">
-              <a:extLst>
-                <a:ext uri="{FF2B5EF4-FFF2-40B4-BE49-F238E27FC236}">
-                  <a16:creationId xmlns:a16="http://schemas.microsoft.com/office/drawing/2014/main" id="{68BB679F-8266-4864-90E0-0DF680D6CB67}"/>
-                </a:ext>
-              </a:extLst>
-            </p:cNvPr>
-            <p:cNvSpPr txBox="1"/>
-            <p:nvPr/>
-          </p:nvSpPr>
-          <p:spPr>
-            <a:xfrm>
-              <a:off x="6102416" y="4206240"/>
-              <a:ext cx="2079057" cy="523220"/>
-            </a:xfrm>
-            <a:prstGeom prst="rect">
-              <a:avLst/>
-            </a:prstGeom>
-            <a:noFill/>
-          </p:spPr>
-          <p:txBody>
-            <a:bodyPr wrap="square" rtlCol="0">
-              <a:spAutoFit/>
-            </a:bodyPr>
-            <a:lstStyle/>
-            <a:p>
-              <a:pPr algn="ctr"/>
-              <a:r>
-                <a:rPr lang="en-US" sz="2400" b="1" u="sng" dirty="0">
-                  <a:solidFill>
-                    <a:schemeClr val="bg1"/>
-                  </a:solidFill>
-                </a:rPr>
-                <a:t>Calculus</a:t>
-              </a:r>
-              <a:r>
-                <a:rPr lang="en-US" sz="2800" b="1" dirty="0">
-                  <a:solidFill>
-                    <a:schemeClr val="bg1"/>
-                  </a:solidFill>
-                </a:rPr>
-                <a:t>!!</a:t>
-              </a:r>
-            </a:p>
-          </p:txBody>
-        </p:sp>
-      </p:grpSp>
       <p:sp>
         <p:nvSpPr>
           <p:cNvPr id="7" name="Slide Number Placeholder 6">
@@ -9671,81 +9517,6 @@
   <p:clrMapOvr>
     <a:masterClrMapping/>
   </p:clrMapOvr>
-  <p:timing>
-    <p:tnLst>
-      <p:par>
-        <p:cTn id="1" dur="indefinite" restart="never" nodeType="tmRoot">
-          <p:childTnLst>
-            <p:seq concurrent="1" nextAc="seek">
-              <p:cTn id="2" dur="indefinite" nodeType="mainSeq">
-                <p:childTnLst>
-                  <p:par>
-                    <p:cTn id="3" fill="hold">
-                      <p:stCondLst>
-                        <p:cond delay="indefinite"/>
-                      </p:stCondLst>
-                      <p:childTnLst>
-                        <p:par>
-                          <p:cTn id="4" fill="hold">
-                            <p:stCondLst>
-                              <p:cond delay="0"/>
-                            </p:stCondLst>
-                            <p:childTnLst>
-                              <p:par>
-                                <p:cTn id="5" presetID="1" presetClass="entr" presetSubtype="0" fill="hold" nodeType="clickEffect">
-                                  <p:stCondLst>
-                                    <p:cond delay="0"/>
-                                  </p:stCondLst>
-                                  <p:childTnLst>
-                                    <p:set>
-                                      <p:cBhvr>
-                                        <p:cTn id="6" dur="1" fill="hold">
-                                          <p:stCondLst>
-                                            <p:cond delay="0"/>
-                                          </p:stCondLst>
-                                        </p:cTn>
-                                        <p:tgtEl>
-                                          <p:spTgt spid="6"/>
-                                        </p:tgtEl>
-                                        <p:attrNameLst>
-                                          <p:attrName>style.visibility</p:attrName>
-                                        </p:attrNameLst>
-                                      </p:cBhvr>
-                                      <p:to>
-                                        <p:strVal val="visible"/>
-                                      </p:to>
-                                    </p:set>
-                                  </p:childTnLst>
-                                </p:cTn>
-                              </p:par>
-                            </p:childTnLst>
-                          </p:cTn>
-                        </p:par>
-                      </p:childTnLst>
-                    </p:cTn>
-                  </p:par>
-                </p:childTnLst>
-              </p:cTn>
-              <p:prevCondLst>
-                <p:cond evt="onPrev" delay="0">
-                  <p:tgtEl>
-                    <p:sldTgt/>
-                  </p:tgtEl>
-                </p:cond>
-              </p:prevCondLst>
-              <p:nextCondLst>
-                <p:cond evt="onNext" delay="0">
-                  <p:tgtEl>
-                    <p:sldTgt/>
-                  </p:tgtEl>
-                </p:cond>
-              </p:nextCondLst>
-            </p:seq>
-          </p:childTnLst>
-        </p:cTn>
-      </p:par>
-    </p:tnLst>
-  </p:timing>
 </p:sld>
 </file>
 

--- a/Week 1/Week 1.pptx
+++ b/Week 1/Week 1.pptx
@@ -4584,12 +4584,12 @@
           <a:lstStyle/>
           <a:p>
             <a:r>
-              <a:rPr lang="en-US" dirty="0">
+              <a:rPr lang="en-US">
                 <a:solidFill>
                   <a:schemeClr val="tx1"/>
                 </a:solidFill>
               </a:rPr>
-              <a:t>A simplest example</a:t>
+              <a:t>A few simplest examples</a:t>
             </a:r>
             <a:endParaRPr lang="en-US" dirty="0"/>
           </a:p>
@@ -5373,7 +5373,7 @@
           <a:graphicData uri="http://schemas.openxmlformats.org/presentationml/2006/ole">
             <mc:AlternateContent xmlns:mc="http://schemas.openxmlformats.org/markup-compatibility/2006">
               <mc:Choice xmlns:v="urn:schemas-microsoft-com:vml" Requires="v">
-                <p:oleObj spid="_x0000_s2057" name="Equation" r:id="rId4" imgW="2209680" imgH="253800" progId="Equation.DSMT4">
+                <p:oleObj spid="_x0000_s2059" name="Equation" r:id="rId4" imgW="2209680" imgH="253800" progId="Equation.DSMT4">
                   <p:embed/>
                 </p:oleObj>
               </mc:Choice>

--- a/Week 1/Week 1.pptx
+++ b/Week 1/Week 1.pptx
@@ -4584,7 +4584,7 @@
           <a:lstStyle/>
           <a:p>
             <a:r>
-              <a:rPr lang="en-US">
+              <a:rPr lang="en-US" dirty="0">
                 <a:solidFill>
                   <a:schemeClr val="tx1"/>
                 </a:solidFill>
@@ -5373,7 +5373,7 @@
           <a:graphicData uri="http://schemas.openxmlformats.org/presentationml/2006/ole">
             <mc:AlternateContent xmlns:mc="http://schemas.openxmlformats.org/markup-compatibility/2006">
               <mc:Choice xmlns:v="urn:schemas-microsoft-com:vml" Requires="v">
-                <p:oleObj spid="_x0000_s2059" name="Equation" r:id="rId4" imgW="2209680" imgH="253800" progId="Equation.DSMT4">
+                <p:oleObj spid="_x0000_s2060" name="Equation" r:id="rId4" imgW="2209680" imgH="253800" progId="Equation.DSMT4">
                   <p:embed/>
                 </p:oleObj>
               </mc:Choice>

--- a/Week 1/Week 1.pptx
+++ b/Week 1/Week 1.pptx
@@ -732,7 +732,7 @@
           <a:bodyPr/>
           <a:lstStyle/>
           <a:p>
-            <a:fld id="{6BD46E3C-7BFF-1943-8925-3F20AB85EE93}" type="datetime1">
+            <a:fld id="{8F03EA0E-6928-C247-88DA-02FBB4E41787}" type="datetime1">
               <a:rPr lang="en-CA" smtClean="0"/>
               <a:t>2019-12-06</a:t>
             </a:fld>
@@ -939,7 +939,7 @@
           <a:bodyPr/>
           <a:lstStyle/>
           <a:p>
-            <a:fld id="{FC094421-CA77-4442-A1E1-4CC0DA285F89}" type="datetime1">
+            <a:fld id="{C70BC0E1-B111-6643-A499-00C671BFCDF8}" type="datetime1">
               <a:rPr lang="en-CA" smtClean="0"/>
               <a:t>2019-12-06</a:t>
             </a:fld>
@@ -1305,7 +1305,7 @@
           <a:bodyPr/>
           <a:lstStyle/>
           <a:p>
-            <a:fld id="{EDF71231-BECC-8746-B80B-8C1AD19162F8}" type="datetime1">
+            <a:fld id="{748413E5-6937-C249-ACA3-F33BA255904E}" type="datetime1">
               <a:rPr lang="en-CA" smtClean="0"/>
               <a:t>2019-12-06</a:t>
             </a:fld>
@@ -1507,7 +1507,7 @@
           <a:bodyPr/>
           <a:lstStyle/>
           <a:p>
-            <a:fld id="{C4D6A8D6-3298-0B43-A9EB-07DEC3D8495C}" type="datetime1">
+            <a:fld id="{03CBEE26-A33C-054D-80D3-D3ED0D243C6D}" type="datetime1">
               <a:rPr lang="en-CA" smtClean="0"/>
               <a:t>2019-12-06</a:t>
             </a:fld>
@@ -1823,7 +1823,7 @@
           <a:bodyPr/>
           <a:lstStyle/>
           <a:p>
-            <a:fld id="{B809697C-CD28-6D4F-9F92-020C792CB8BE}" type="datetime1">
+            <a:fld id="{1030EC9E-F7A8-654D-9A2A-115BD82BA61C}" type="datetime1">
               <a:rPr lang="en-CA" smtClean="0"/>
               <a:t>2019-12-06</a:t>
             </a:fld>
@@ -2080,7 +2080,7 @@
           <a:bodyPr/>
           <a:lstStyle/>
           <a:p>
-            <a:fld id="{CDD0AD19-C710-C94F-BBBE-677A2AE52D0D}" type="datetime1">
+            <a:fld id="{48E88B3D-2E47-F84A-ADDB-C8DFE555DC4A}" type="datetime1">
               <a:rPr lang="en-CA" smtClean="0"/>
               <a:t>2019-12-06</a:t>
             </a:fld>
@@ -2506,7 +2506,7 @@
           <a:bodyPr/>
           <a:lstStyle/>
           <a:p>
-            <a:fld id="{0BA0B489-354A-BA46-8F79-CE546714C392}" type="datetime1">
+            <a:fld id="{DB48549B-D699-684D-9FD7-EEC1EB14EE6D}" type="datetime1">
               <a:rPr lang="en-CA" smtClean="0"/>
               <a:t>2019-12-06</a:t>
             </a:fld>
@@ -2633,7 +2633,7 @@
           <a:bodyPr/>
           <a:lstStyle/>
           <a:p>
-            <a:fld id="{C8741B54-AC49-4B4E-9B9B-7EEE09D40EEC}" type="datetime1">
+            <a:fld id="{8D6D14CA-FF07-DD44-BC0A-B5A6C83DEB65}" type="datetime1">
               <a:rPr lang="en-CA" smtClean="0"/>
               <a:t>2019-12-06</a:t>
             </a:fld>
@@ -2732,7 +2732,7 @@
           <a:bodyPr/>
           <a:lstStyle/>
           <a:p>
-            <a:fld id="{73CE1509-1CBB-D34F-BD7A-9BBB5B1C624D}" type="datetime1">
+            <a:fld id="{246C2233-4C27-BA4B-873C-B1FFC467BEE1}" type="datetime1">
               <a:rPr lang="en-CA" smtClean="0"/>
               <a:t>2019-12-06</a:t>
             </a:fld>
@@ -3113,7 +3113,7 @@
           <a:bodyPr/>
           <a:lstStyle/>
           <a:p>
-            <a:fld id="{732C22A5-4BE3-9148-81D7-64236FF2262E}" type="datetime1">
+            <a:fld id="{917A9002-9380-9248-BD7D-93CC94C22A7D}" type="datetime1">
               <a:rPr lang="en-CA" smtClean="0"/>
               <a:t>2019-12-06</a:t>
             </a:fld>
@@ -3410,7 +3410,7 @@
           <a:bodyPr/>
           <a:lstStyle/>
           <a:p>
-            <a:fld id="{FF628444-EC63-F14F-8B63-7FEAB7C6EF68}" type="datetime1">
+            <a:fld id="{651DCA93-93F4-144A-A32E-E452FD050CC5}" type="datetime1">
               <a:rPr lang="en-CA" smtClean="0"/>
               <a:t>2019-12-06</a:t>
             </a:fld>
@@ -3629,7 +3629,7 @@
             </a:lvl1pPr>
           </a:lstStyle>
           <a:p>
-            <a:fld id="{62B8AF7A-FF21-A54C-A172-330BAFE8FFE4}" type="datetime1">
+            <a:fld id="{888BBD31-6ACD-1F4C-94B8-E351DB08BD91}" type="datetime1">
               <a:rPr lang="en-CA" smtClean="0"/>
               <a:t>2019-12-06</a:t>
             </a:fld>
@@ -3853,7 +3853,7 @@
     <p:sldLayoutId id="2147483684" r:id="rId10"/>
     <p:sldLayoutId id="2147483683" r:id="rId11"/>
   </p:sldLayoutIdLst>
-  <p:hf sldNum="0" hdr="0" dt="0"/>
+  <p:hf sldNum="0" hdr="0" ftr="0" dt="0"/>
   <p:txStyles>
     <p:titleStyle>
       <a:lvl1pPr algn="l" defTabSz="457200" rtl="0" eaLnBrk="1" latinLnBrk="0" hangingPunct="1">
@@ -4687,35 +4687,6 @@
           </a:p>
         </p:txBody>
       </p:sp>
-      <p:sp>
-        <p:nvSpPr>
-          <p:cNvPr id="4" name="Footer Placeholder 3">
-            <a:extLst>
-              <a:ext uri="{FF2B5EF4-FFF2-40B4-BE49-F238E27FC236}">
-                <a16:creationId xmlns:a16="http://schemas.microsoft.com/office/drawing/2014/main" id="{4A083B4D-EA2D-8042-92EA-8B1FA4B2FA93}"/>
-              </a:ext>
-            </a:extLst>
-          </p:cNvPr>
-          <p:cNvSpPr>
-            <a:spLocks noGrp="1"/>
-          </p:cNvSpPr>
-          <p:nvPr>
-            <p:ph type="ftr" sz="quarter" idx="11"/>
-          </p:nvPr>
-        </p:nvSpPr>
-        <p:spPr/>
-        <p:txBody>
-          <a:bodyPr/>
-          <a:lstStyle/>
-          <a:p>
-            <a:r>
-              <a:rPr lang="en-US"/>
-              <a:t>CFER - Jin Gao</a:t>
-            </a:r>
-            <a:endParaRPr lang="en-US" dirty="0"/>
-          </a:p>
-        </p:txBody>
-      </p:sp>
     </p:spTree>
     <p:extLst>
       <p:ext uri="{BB962C8B-B14F-4D97-AF65-F5344CB8AC3E}">
@@ -5149,35 +5120,6 @@
           </p:sp>
         </mc:Fallback>
       </mc:AlternateContent>
-      <p:sp>
-        <p:nvSpPr>
-          <p:cNvPr id="4" name="Slide Number Placeholder 3">
-            <a:extLst>
-              <a:ext uri="{FF2B5EF4-FFF2-40B4-BE49-F238E27FC236}">
-                <a16:creationId xmlns:a16="http://schemas.microsoft.com/office/drawing/2014/main" id="{EC538D91-6F8B-42BB-A135-BD948D230469}"/>
-              </a:ext>
-            </a:extLst>
-          </p:cNvPr>
-          <p:cNvSpPr>
-            <a:spLocks noGrp="1"/>
-          </p:cNvSpPr>
-          <p:nvPr>
-            <p:ph type="sldNum" sz="quarter" idx="12"/>
-          </p:nvPr>
-        </p:nvSpPr>
-        <p:spPr/>
-        <p:txBody>
-          <a:bodyPr/>
-          <a:lstStyle/>
-          <a:p>
-            <a:fld id="{A90099C9-4CB8-9A40-B745-9AB270505907}" type="slidenum">
-              <a:rPr lang="en-US" smtClean="0"/>
-              <a:t>11</a:t>
-            </a:fld>
-            <a:endParaRPr lang="en-US"/>
-          </a:p>
-        </p:txBody>
-      </p:sp>
     </p:spTree>
     <p:extLst>
       <p:ext uri="{BB962C8B-B14F-4D97-AF65-F5344CB8AC3E}">
@@ -5322,35 +5264,6 @@
           </a:prstGeom>
         </p:spPr>
       </p:pic>
-      <p:sp>
-        <p:nvSpPr>
-          <p:cNvPr id="7" name="Slide Number Placeholder 6">
-            <a:extLst>
-              <a:ext uri="{FF2B5EF4-FFF2-40B4-BE49-F238E27FC236}">
-                <a16:creationId xmlns:a16="http://schemas.microsoft.com/office/drawing/2014/main" id="{719C6F1F-B534-44E1-B868-AAD0CFF614BE}"/>
-              </a:ext>
-            </a:extLst>
-          </p:cNvPr>
-          <p:cNvSpPr>
-            <a:spLocks noGrp="1"/>
-          </p:cNvSpPr>
-          <p:nvPr>
-            <p:ph type="sldNum" sz="quarter" idx="12"/>
-          </p:nvPr>
-        </p:nvSpPr>
-        <p:spPr/>
-        <p:txBody>
-          <a:bodyPr/>
-          <a:lstStyle/>
-          <a:p>
-            <a:fld id="{A90099C9-4CB8-9A40-B745-9AB270505907}" type="slidenum">
-              <a:rPr lang="en-US" smtClean="0"/>
-              <a:t>12</a:t>
-            </a:fld>
-            <a:endParaRPr lang="en-US"/>
-          </a:p>
-        </p:txBody>
-      </p:sp>
       <p:graphicFrame>
         <p:nvGraphicFramePr>
           <p:cNvPr id="8" name="Object 7">
@@ -5373,7 +5286,7 @@
           <a:graphicData uri="http://schemas.openxmlformats.org/presentationml/2006/ole">
             <mc:AlternateContent xmlns:mc="http://schemas.openxmlformats.org/markup-compatibility/2006">
               <mc:Choice xmlns:v="urn:schemas-microsoft-com:vml" Requires="v">
-                <p:oleObj spid="_x0000_s2060" name="Equation" r:id="rId4" imgW="2209680" imgH="253800" progId="Equation.DSMT4">
+                <p:oleObj spid="_x0000_s2061" name="Equation" r:id="rId4" imgW="2209680" imgH="253800" progId="Equation.DSMT4">
                   <p:embed/>
                 </p:oleObj>
               </mc:Choice>
@@ -5558,35 +5471,6 @@
           </a:prstGeom>
         </p:spPr>
       </p:pic>
-      <p:sp>
-        <p:nvSpPr>
-          <p:cNvPr id="4" name="Slide Number Placeholder 3">
-            <a:extLst>
-              <a:ext uri="{FF2B5EF4-FFF2-40B4-BE49-F238E27FC236}">
-                <a16:creationId xmlns:a16="http://schemas.microsoft.com/office/drawing/2014/main" id="{30BE75DF-7F21-4FAF-9D41-43BB6175A993}"/>
-              </a:ext>
-            </a:extLst>
-          </p:cNvPr>
-          <p:cNvSpPr>
-            <a:spLocks noGrp="1"/>
-          </p:cNvSpPr>
-          <p:nvPr>
-            <p:ph type="sldNum" sz="quarter" idx="12"/>
-          </p:nvPr>
-        </p:nvSpPr>
-        <p:spPr/>
-        <p:txBody>
-          <a:bodyPr/>
-          <a:lstStyle/>
-          <a:p>
-            <a:fld id="{A90099C9-4CB8-9A40-B745-9AB270505907}" type="slidenum">
-              <a:rPr lang="en-US" smtClean="0"/>
-              <a:t>13</a:t>
-            </a:fld>
-            <a:endParaRPr lang="en-US"/>
-          </a:p>
-        </p:txBody>
-      </p:sp>
     </p:spTree>
     <p:extLst>
       <p:ext uri="{BB962C8B-B14F-4D97-AF65-F5344CB8AC3E}">
@@ -5731,35 +5615,6 @@
           </a:prstGeom>
         </p:spPr>
       </p:pic>
-      <p:sp>
-        <p:nvSpPr>
-          <p:cNvPr id="4" name="Slide Number Placeholder 3">
-            <a:extLst>
-              <a:ext uri="{FF2B5EF4-FFF2-40B4-BE49-F238E27FC236}">
-                <a16:creationId xmlns:a16="http://schemas.microsoft.com/office/drawing/2014/main" id="{B77B4D62-4FC6-4506-AFBD-5806318F17B4}"/>
-              </a:ext>
-            </a:extLst>
-          </p:cNvPr>
-          <p:cNvSpPr>
-            <a:spLocks noGrp="1"/>
-          </p:cNvSpPr>
-          <p:nvPr>
-            <p:ph type="sldNum" sz="quarter" idx="12"/>
-          </p:nvPr>
-        </p:nvSpPr>
-        <p:spPr/>
-        <p:txBody>
-          <a:bodyPr/>
-          <a:lstStyle/>
-          <a:p>
-            <a:fld id="{A90099C9-4CB8-9A40-B745-9AB270505907}" type="slidenum">
-              <a:rPr lang="en-US" smtClean="0"/>
-              <a:t>14</a:t>
-            </a:fld>
-            <a:endParaRPr lang="en-US"/>
-          </a:p>
-        </p:txBody>
-      </p:sp>
     </p:spTree>
     <p:extLst>
       <p:ext uri="{BB962C8B-B14F-4D97-AF65-F5344CB8AC3E}">
@@ -6084,35 +5939,6 @@
       </p:cxnSp>
       <p:sp>
         <p:nvSpPr>
-          <p:cNvPr id="3" name="Slide Number Placeholder 2">
-            <a:extLst>
-              <a:ext uri="{FF2B5EF4-FFF2-40B4-BE49-F238E27FC236}">
-                <a16:creationId xmlns:a16="http://schemas.microsoft.com/office/drawing/2014/main" id="{527C1CBB-339E-4CA4-9688-287B7F1729F3}"/>
-              </a:ext>
-            </a:extLst>
-          </p:cNvPr>
-          <p:cNvSpPr>
-            <a:spLocks noGrp="1"/>
-          </p:cNvSpPr>
-          <p:nvPr>
-            <p:ph type="sldNum" sz="quarter" idx="12"/>
-          </p:nvPr>
-        </p:nvSpPr>
-        <p:spPr/>
-        <p:txBody>
-          <a:bodyPr/>
-          <a:lstStyle/>
-          <a:p>
-            <a:fld id="{A90099C9-4CB8-9A40-B745-9AB270505907}" type="slidenum">
-              <a:rPr lang="en-US" smtClean="0"/>
-              <a:t>15</a:t>
-            </a:fld>
-            <a:endParaRPr lang="en-US"/>
-          </a:p>
-        </p:txBody>
-      </p:sp>
-      <p:sp>
-        <p:nvSpPr>
           <p:cNvPr id="5" name="TextBox 4">
             <a:extLst>
               <a:ext uri="{FF2B5EF4-FFF2-40B4-BE49-F238E27FC236}">
@@ -6276,35 +6102,6 @@
               <a:t>fast and accurate gradients</a:t>
             </a:r>
             <a:endParaRPr lang="en-US" sz="2800" dirty="0"/>
-          </a:p>
-        </p:txBody>
-      </p:sp>
-      <p:sp>
-        <p:nvSpPr>
-          <p:cNvPr id="4" name="Slide Number Placeholder 3">
-            <a:extLst>
-              <a:ext uri="{FF2B5EF4-FFF2-40B4-BE49-F238E27FC236}">
-                <a16:creationId xmlns:a16="http://schemas.microsoft.com/office/drawing/2014/main" id="{ED1C3B33-9CF7-4650-A4D6-8601D1D4FA28}"/>
-              </a:ext>
-            </a:extLst>
-          </p:cNvPr>
-          <p:cNvSpPr>
-            <a:spLocks noGrp="1"/>
-          </p:cNvSpPr>
-          <p:nvPr>
-            <p:ph type="sldNum" sz="quarter" idx="12"/>
-          </p:nvPr>
-        </p:nvSpPr>
-        <p:spPr/>
-        <p:txBody>
-          <a:bodyPr/>
-          <a:lstStyle/>
-          <a:p>
-            <a:fld id="{A90099C9-4CB8-9A40-B745-9AB270505907}" type="slidenum">
-              <a:rPr lang="en-US" smtClean="0"/>
-              <a:t>16</a:t>
-            </a:fld>
-            <a:endParaRPr lang="en-US"/>
           </a:p>
         </p:txBody>
       </p:sp>
@@ -7187,35 +6984,6 @@
               </a:rPr>
               <a:t>=1)</a:t>
             </a:r>
-          </a:p>
-        </p:txBody>
-      </p:sp>
-      <p:sp>
-        <p:nvSpPr>
-          <p:cNvPr id="5" name="Slide Number Placeholder 4">
-            <a:extLst>
-              <a:ext uri="{FF2B5EF4-FFF2-40B4-BE49-F238E27FC236}">
-                <a16:creationId xmlns:a16="http://schemas.microsoft.com/office/drawing/2014/main" id="{687F83C9-054F-44CD-93EB-603CA7CBA1E1}"/>
-              </a:ext>
-            </a:extLst>
-          </p:cNvPr>
-          <p:cNvSpPr>
-            <a:spLocks noGrp="1"/>
-          </p:cNvSpPr>
-          <p:nvPr>
-            <p:ph type="sldNum" sz="quarter" idx="12"/>
-          </p:nvPr>
-        </p:nvSpPr>
-        <p:spPr/>
-        <p:txBody>
-          <a:bodyPr/>
-          <a:lstStyle/>
-          <a:p>
-            <a:fld id="{A90099C9-4CB8-9A40-B745-9AB270505907}" type="slidenum">
-              <a:rPr lang="en-US" smtClean="0"/>
-              <a:t>17</a:t>
-            </a:fld>
-            <a:endParaRPr lang="en-US"/>
           </a:p>
         </p:txBody>
       </p:sp>
@@ -8236,35 +8004,6 @@
       </p:sp>
       <p:sp>
         <p:nvSpPr>
-          <p:cNvPr id="5" name="Slide Number Placeholder 4">
-            <a:extLst>
-              <a:ext uri="{FF2B5EF4-FFF2-40B4-BE49-F238E27FC236}">
-                <a16:creationId xmlns:a16="http://schemas.microsoft.com/office/drawing/2014/main" id="{72C50AD8-57F6-4CB5-B3EB-CAC23C48D6EB}"/>
-              </a:ext>
-            </a:extLst>
-          </p:cNvPr>
-          <p:cNvSpPr>
-            <a:spLocks noGrp="1"/>
-          </p:cNvSpPr>
-          <p:nvPr>
-            <p:ph type="sldNum" sz="quarter" idx="12"/>
-          </p:nvPr>
-        </p:nvSpPr>
-        <p:spPr/>
-        <p:txBody>
-          <a:bodyPr/>
-          <a:lstStyle/>
-          <a:p>
-            <a:fld id="{A90099C9-4CB8-9A40-B745-9AB270505907}" type="slidenum">
-              <a:rPr lang="en-US" smtClean="0"/>
-              <a:t>18</a:t>
-            </a:fld>
-            <a:endParaRPr lang="en-US"/>
-          </a:p>
-        </p:txBody>
-      </p:sp>
-      <p:sp>
-        <p:nvSpPr>
           <p:cNvPr id="6" name="Rectangle 5">
             <a:extLst>
               <a:ext uri="{FF2B5EF4-FFF2-40B4-BE49-F238E27FC236}">
@@ -8487,35 +8226,6 @@
           </a:p>
         </p:txBody>
       </p:sp>
-      <p:sp>
-        <p:nvSpPr>
-          <p:cNvPr id="4" name="Slide Number Placeholder 3">
-            <a:extLst>
-              <a:ext uri="{FF2B5EF4-FFF2-40B4-BE49-F238E27FC236}">
-                <a16:creationId xmlns:a16="http://schemas.microsoft.com/office/drawing/2014/main" id="{89804D25-4644-4FF3-88B6-23E3945C5052}"/>
-              </a:ext>
-            </a:extLst>
-          </p:cNvPr>
-          <p:cNvSpPr>
-            <a:spLocks noGrp="1"/>
-          </p:cNvSpPr>
-          <p:nvPr>
-            <p:ph type="sldNum" sz="quarter" idx="12"/>
-          </p:nvPr>
-        </p:nvSpPr>
-        <p:spPr/>
-        <p:txBody>
-          <a:bodyPr/>
-          <a:lstStyle/>
-          <a:p>
-            <a:fld id="{A90099C9-4CB8-9A40-B745-9AB270505907}" type="slidenum">
-              <a:rPr lang="en-US" smtClean="0"/>
-              <a:t>19</a:t>
-            </a:fld>
-            <a:endParaRPr lang="en-US"/>
-          </a:p>
-        </p:txBody>
-      </p:sp>
     </p:spTree>
     <p:extLst>
       <p:ext uri="{BB962C8B-B14F-4D97-AF65-F5344CB8AC3E}">
@@ -8631,34 +8341,6 @@
           <a:p>
             <a:pPr lvl="1"/>
             <a:endParaRPr lang="en-US" dirty="0"/>
-          </a:p>
-        </p:txBody>
-      </p:sp>
-      <p:sp>
-        <p:nvSpPr>
-          <p:cNvPr id="4" name="Footer Placeholder 3">
-            <a:extLst>
-              <a:ext uri="{FF2B5EF4-FFF2-40B4-BE49-F238E27FC236}">
-                <a16:creationId xmlns:a16="http://schemas.microsoft.com/office/drawing/2014/main" id="{D7311B3C-2964-8C45-9D4D-C17AF30CA859}"/>
-              </a:ext>
-            </a:extLst>
-          </p:cNvPr>
-          <p:cNvSpPr>
-            <a:spLocks noGrp="1"/>
-          </p:cNvSpPr>
-          <p:nvPr>
-            <p:ph type="ftr" sz="quarter" idx="11"/>
-          </p:nvPr>
-        </p:nvSpPr>
-        <p:spPr/>
-        <p:txBody>
-          <a:bodyPr/>
-          <a:lstStyle/>
-          <a:p>
-            <a:r>
-              <a:rPr lang="en-US" dirty="0"/>
-              <a:t>CFER - Jin Gao</a:t>
-            </a:r>
           </a:p>
         </p:txBody>
       </p:sp>
@@ -9178,35 +8860,6 @@
           </a:p>
         </p:txBody>
       </p:sp>
-      <p:sp>
-        <p:nvSpPr>
-          <p:cNvPr id="4" name="Slide Number Placeholder 3">
-            <a:extLst>
-              <a:ext uri="{FF2B5EF4-FFF2-40B4-BE49-F238E27FC236}">
-                <a16:creationId xmlns:a16="http://schemas.microsoft.com/office/drawing/2014/main" id="{81952C18-3419-432E-9A33-FC9543399DCE}"/>
-              </a:ext>
-            </a:extLst>
-          </p:cNvPr>
-          <p:cNvSpPr>
-            <a:spLocks noGrp="1"/>
-          </p:cNvSpPr>
-          <p:nvPr>
-            <p:ph type="sldNum" sz="quarter" idx="12"/>
-          </p:nvPr>
-        </p:nvSpPr>
-        <p:spPr/>
-        <p:txBody>
-          <a:bodyPr/>
-          <a:lstStyle/>
-          <a:p>
-            <a:fld id="{A90099C9-4CB8-9A40-B745-9AB270505907}" type="slidenum">
-              <a:rPr lang="en-US" smtClean="0"/>
-              <a:t>20</a:t>
-            </a:fld>
-            <a:endParaRPr lang="en-US"/>
-          </a:p>
-        </p:txBody>
-      </p:sp>
     </p:spTree>
     <p:extLst>
       <p:ext uri="{BB962C8B-B14F-4D97-AF65-F5344CB8AC3E}">
@@ -9319,35 +8972,6 @@
           </a:p>
         </p:txBody>
       </p:sp>
-      <p:sp>
-        <p:nvSpPr>
-          <p:cNvPr id="4" name="Slide Number Placeholder 3">
-            <a:extLst>
-              <a:ext uri="{FF2B5EF4-FFF2-40B4-BE49-F238E27FC236}">
-                <a16:creationId xmlns:a16="http://schemas.microsoft.com/office/drawing/2014/main" id="{6DCC37D5-C19C-405F-B23C-8EB90CB6ABED}"/>
-              </a:ext>
-            </a:extLst>
-          </p:cNvPr>
-          <p:cNvSpPr>
-            <a:spLocks noGrp="1"/>
-          </p:cNvSpPr>
-          <p:nvPr>
-            <p:ph type="sldNum" sz="quarter" idx="12"/>
-          </p:nvPr>
-        </p:nvSpPr>
-        <p:spPr/>
-        <p:txBody>
-          <a:bodyPr/>
-          <a:lstStyle/>
-          <a:p>
-            <a:fld id="{A90099C9-4CB8-9A40-B745-9AB270505907}" type="slidenum">
-              <a:rPr lang="en-US" smtClean="0"/>
-              <a:t>21</a:t>
-            </a:fld>
-            <a:endParaRPr lang="en-US"/>
-          </a:p>
-        </p:txBody>
-      </p:sp>
     </p:spTree>
     <p:extLst>
       <p:ext uri="{BB962C8B-B14F-4D97-AF65-F5344CB8AC3E}">
@@ -9475,35 +9099,6 @@
               <a:rPr lang="en-US" dirty="0"/>
               <a:t>TMB has a superpower: calculus!</a:t>
             </a:r>
-          </a:p>
-        </p:txBody>
-      </p:sp>
-      <p:sp>
-        <p:nvSpPr>
-          <p:cNvPr id="7" name="Slide Number Placeholder 6">
-            <a:extLst>
-              <a:ext uri="{FF2B5EF4-FFF2-40B4-BE49-F238E27FC236}">
-                <a16:creationId xmlns:a16="http://schemas.microsoft.com/office/drawing/2014/main" id="{38DCC833-7A21-4398-977F-F8C65EDCB720}"/>
-              </a:ext>
-            </a:extLst>
-          </p:cNvPr>
-          <p:cNvSpPr>
-            <a:spLocks noGrp="1"/>
-          </p:cNvSpPr>
-          <p:nvPr>
-            <p:ph type="sldNum" sz="quarter" idx="12"/>
-          </p:nvPr>
-        </p:nvSpPr>
-        <p:spPr/>
-        <p:txBody>
-          <a:bodyPr/>
-          <a:lstStyle/>
-          <a:p>
-            <a:fld id="{A90099C9-4CB8-9A40-B745-9AB270505907}" type="slidenum">
-              <a:rPr lang="en-US" smtClean="0"/>
-              <a:t>22</a:t>
-            </a:fld>
-            <a:endParaRPr lang="en-US"/>
           </a:p>
         </p:txBody>
       </p:sp>
@@ -10435,40 +10030,6 @@
                 </a:solidFill>
               </a:ln>
             </a:endParaRPr>
-          </a:p>
-        </p:txBody>
-      </p:sp>
-      <p:sp>
-        <p:nvSpPr>
-          <p:cNvPr id="2" name="Slide Number Placeholder 1">
-            <a:extLst>
-              <a:ext uri="{FF2B5EF4-FFF2-40B4-BE49-F238E27FC236}">
-                <a16:creationId xmlns:a16="http://schemas.microsoft.com/office/drawing/2014/main" id="{07212107-FD01-40C4-9781-A4E819DABB0B}"/>
-              </a:ext>
-            </a:extLst>
-          </p:cNvPr>
-          <p:cNvSpPr>
-            <a:spLocks noGrp="1"/>
-          </p:cNvSpPr>
-          <p:nvPr>
-            <p:ph type="sldNum" sz="quarter" idx="12"/>
-          </p:nvPr>
-        </p:nvSpPr>
-        <p:spPr>
-          <a:xfrm>
-            <a:off x="10558300" y="6423914"/>
-            <a:ext cx="1052510" cy="365125"/>
-          </a:xfrm>
-        </p:spPr>
-        <p:txBody>
-          <a:bodyPr/>
-          <a:lstStyle/>
-          <a:p>
-            <a:fld id="{A90099C9-4CB8-9A40-B745-9AB270505907}" type="slidenum">
-              <a:rPr lang="en-US" smtClean="0"/>
-              <a:t>23</a:t>
-            </a:fld>
-            <a:endParaRPr lang="en-US"/>
           </a:p>
         </p:txBody>
       </p:sp>
@@ -10688,35 +10249,6 @@
           </a:p>
         </p:txBody>
       </p:sp>
-      <p:sp>
-        <p:nvSpPr>
-          <p:cNvPr id="4" name="Slide Number Placeholder 3">
-            <a:extLst>
-              <a:ext uri="{FF2B5EF4-FFF2-40B4-BE49-F238E27FC236}">
-                <a16:creationId xmlns:a16="http://schemas.microsoft.com/office/drawing/2014/main" id="{9755EF4A-EE1C-400F-8DCB-065EB4CBCE1C}"/>
-              </a:ext>
-            </a:extLst>
-          </p:cNvPr>
-          <p:cNvSpPr>
-            <a:spLocks noGrp="1"/>
-          </p:cNvSpPr>
-          <p:nvPr>
-            <p:ph type="sldNum" sz="quarter" idx="12"/>
-          </p:nvPr>
-        </p:nvSpPr>
-        <p:spPr/>
-        <p:txBody>
-          <a:bodyPr/>
-          <a:lstStyle/>
-          <a:p>
-            <a:fld id="{A90099C9-4CB8-9A40-B745-9AB270505907}" type="slidenum">
-              <a:rPr lang="en-US" smtClean="0"/>
-              <a:t>24</a:t>
-            </a:fld>
-            <a:endParaRPr lang="en-US"/>
-          </a:p>
-        </p:txBody>
-      </p:sp>
     </p:spTree>
     <p:extLst>
       <p:ext uri="{BB962C8B-B14F-4D97-AF65-F5344CB8AC3E}">
@@ -10857,35 +10389,6 @@
           </a:p>
         </p:txBody>
       </p:sp>
-      <p:sp>
-        <p:nvSpPr>
-          <p:cNvPr id="4" name="Slide Number Placeholder 3">
-            <a:extLst>
-              <a:ext uri="{FF2B5EF4-FFF2-40B4-BE49-F238E27FC236}">
-                <a16:creationId xmlns:a16="http://schemas.microsoft.com/office/drawing/2014/main" id="{957B730D-CC40-431E-8C8E-D2D52D730BC9}"/>
-              </a:ext>
-            </a:extLst>
-          </p:cNvPr>
-          <p:cNvSpPr>
-            <a:spLocks noGrp="1"/>
-          </p:cNvSpPr>
-          <p:nvPr>
-            <p:ph type="sldNum" sz="quarter" idx="12"/>
-          </p:nvPr>
-        </p:nvSpPr>
-        <p:spPr/>
-        <p:txBody>
-          <a:bodyPr/>
-          <a:lstStyle/>
-          <a:p>
-            <a:fld id="{A90099C9-4CB8-9A40-B745-9AB270505907}" type="slidenum">
-              <a:rPr lang="en-US" smtClean="0"/>
-              <a:t>25</a:t>
-            </a:fld>
-            <a:endParaRPr lang="en-US"/>
-          </a:p>
-        </p:txBody>
-      </p:sp>
     </p:spTree>
     <p:extLst>
       <p:ext uri="{BB962C8B-B14F-4D97-AF65-F5344CB8AC3E}">
@@ -11022,35 +10525,6 @@
               <a:rPr lang="en-US" dirty="0"/>
               <a:t>The goal is to introduce some key concepts and get practice with TMB</a:t>
             </a:r>
-          </a:p>
-        </p:txBody>
-      </p:sp>
-      <p:sp>
-        <p:nvSpPr>
-          <p:cNvPr id="4" name="Slide Number Placeholder 3">
-            <a:extLst>
-              <a:ext uri="{FF2B5EF4-FFF2-40B4-BE49-F238E27FC236}">
-                <a16:creationId xmlns:a16="http://schemas.microsoft.com/office/drawing/2014/main" id="{4382B8CC-B313-48C0-9881-B68A1D4A4917}"/>
-              </a:ext>
-            </a:extLst>
-          </p:cNvPr>
-          <p:cNvSpPr>
-            <a:spLocks noGrp="1"/>
-          </p:cNvSpPr>
-          <p:nvPr>
-            <p:ph type="sldNum" sz="quarter" idx="12"/>
-          </p:nvPr>
-        </p:nvSpPr>
-        <p:spPr/>
-        <p:txBody>
-          <a:bodyPr/>
-          <a:lstStyle/>
-          <a:p>
-            <a:fld id="{A90099C9-4CB8-9A40-B745-9AB270505907}" type="slidenum">
-              <a:rPr lang="en-US" smtClean="0"/>
-              <a:t>26</a:t>
-            </a:fld>
-            <a:endParaRPr lang="en-US"/>
           </a:p>
         </p:txBody>
       </p:sp>
@@ -11437,35 +10911,6 @@
           </a:p>
         </p:txBody>
       </p:sp>
-      <p:sp>
-        <p:nvSpPr>
-          <p:cNvPr id="6" name="Slide Number Placeholder 5">
-            <a:extLst>
-              <a:ext uri="{FF2B5EF4-FFF2-40B4-BE49-F238E27FC236}">
-                <a16:creationId xmlns:a16="http://schemas.microsoft.com/office/drawing/2014/main" id="{6601BA21-5908-4D63-90EB-8446CFF18921}"/>
-              </a:ext>
-            </a:extLst>
-          </p:cNvPr>
-          <p:cNvSpPr>
-            <a:spLocks noGrp="1"/>
-          </p:cNvSpPr>
-          <p:nvPr>
-            <p:ph type="sldNum" sz="quarter" idx="12"/>
-          </p:nvPr>
-        </p:nvSpPr>
-        <p:spPr/>
-        <p:txBody>
-          <a:bodyPr/>
-          <a:lstStyle/>
-          <a:p>
-            <a:fld id="{A90099C9-4CB8-9A40-B745-9AB270505907}" type="slidenum">
-              <a:rPr lang="en-US" smtClean="0"/>
-              <a:t>27</a:t>
-            </a:fld>
-            <a:endParaRPr lang="en-US"/>
-          </a:p>
-        </p:txBody>
-      </p:sp>
     </p:spTree>
     <p:extLst>
       <p:ext uri="{BB962C8B-B14F-4D97-AF65-F5344CB8AC3E}">
@@ -11887,35 +11332,6 @@
           </a:p>
         </p:txBody>
       </p:sp>
-      <p:sp>
-        <p:nvSpPr>
-          <p:cNvPr id="5" name="Slide Number Placeholder 4">
-            <a:extLst>
-              <a:ext uri="{FF2B5EF4-FFF2-40B4-BE49-F238E27FC236}">
-                <a16:creationId xmlns:a16="http://schemas.microsoft.com/office/drawing/2014/main" id="{FF778967-D385-454B-8802-C44C126E2922}"/>
-              </a:ext>
-            </a:extLst>
-          </p:cNvPr>
-          <p:cNvSpPr>
-            <a:spLocks noGrp="1"/>
-          </p:cNvSpPr>
-          <p:nvPr>
-            <p:ph type="sldNum" sz="quarter" idx="12"/>
-          </p:nvPr>
-        </p:nvSpPr>
-        <p:spPr/>
-        <p:txBody>
-          <a:bodyPr/>
-          <a:lstStyle/>
-          <a:p>
-            <a:fld id="{A90099C9-4CB8-9A40-B745-9AB270505907}" type="slidenum">
-              <a:rPr lang="en-US" smtClean="0"/>
-              <a:t>28</a:t>
-            </a:fld>
-            <a:endParaRPr lang="en-US"/>
-          </a:p>
-        </p:txBody>
-      </p:sp>
     </p:spTree>
     <p:extLst>
       <p:ext uri="{BB962C8B-B14F-4D97-AF65-F5344CB8AC3E}">
@@ -12292,35 +11708,6 @@
               <a:latin typeface="Courier New" panose="02070309020205020404" pitchFamily="49" charset="0"/>
               <a:cs typeface="Courier New" panose="02070309020205020404" pitchFamily="49" charset="0"/>
             </a:endParaRPr>
-          </a:p>
-        </p:txBody>
-      </p:sp>
-      <p:sp>
-        <p:nvSpPr>
-          <p:cNvPr id="5" name="Slide Number Placeholder 4">
-            <a:extLst>
-              <a:ext uri="{FF2B5EF4-FFF2-40B4-BE49-F238E27FC236}">
-                <a16:creationId xmlns:a16="http://schemas.microsoft.com/office/drawing/2014/main" id="{76F6DAE4-BC1F-4848-B35D-C522E611AD0E}"/>
-              </a:ext>
-            </a:extLst>
-          </p:cNvPr>
-          <p:cNvSpPr>
-            <a:spLocks noGrp="1"/>
-          </p:cNvSpPr>
-          <p:nvPr>
-            <p:ph type="sldNum" sz="quarter" idx="12"/>
-          </p:nvPr>
-        </p:nvSpPr>
-        <p:spPr/>
-        <p:txBody>
-          <a:bodyPr/>
-          <a:lstStyle/>
-          <a:p>
-            <a:fld id="{A90099C9-4CB8-9A40-B745-9AB270505907}" type="slidenum">
-              <a:rPr lang="en-US" smtClean="0"/>
-              <a:t>29</a:t>
-            </a:fld>
-            <a:endParaRPr lang="en-US"/>
           </a:p>
         </p:txBody>
       </p:sp>
@@ -12547,34 +11934,6 @@
       </p:sp>
       <p:sp>
         <p:nvSpPr>
-          <p:cNvPr id="4" name="Footer Placeholder 3">
-            <a:extLst>
-              <a:ext uri="{FF2B5EF4-FFF2-40B4-BE49-F238E27FC236}">
-                <a16:creationId xmlns:a16="http://schemas.microsoft.com/office/drawing/2014/main" id="{A52EF62F-6F18-E64E-86F7-9FAE548EDBAC}"/>
-              </a:ext>
-            </a:extLst>
-          </p:cNvPr>
-          <p:cNvSpPr>
-            <a:spLocks noGrp="1"/>
-          </p:cNvSpPr>
-          <p:nvPr>
-            <p:ph type="ftr" sz="quarter" idx="11"/>
-          </p:nvPr>
-        </p:nvSpPr>
-        <p:spPr/>
-        <p:txBody>
-          <a:bodyPr/>
-          <a:lstStyle/>
-          <a:p>
-            <a:r>
-              <a:rPr lang="en-US" dirty="0"/>
-              <a:t>CFER - Jin Gao</a:t>
-            </a:r>
-          </a:p>
-        </p:txBody>
-      </p:sp>
-      <p:sp>
-        <p:nvSpPr>
           <p:cNvPr id="5" name="TextBox 4">
             <a:extLst>
               <a:ext uri="{FF2B5EF4-FFF2-40B4-BE49-F238E27FC236}">
@@ -13087,35 +12446,6 @@
               <a:rPr lang="en-US" sz="2400" dirty="0"/>
               <a:t># of times it used the function (evaluations)</a:t>
             </a:r>
-          </a:p>
-        </p:txBody>
-      </p:sp>
-      <p:sp>
-        <p:nvSpPr>
-          <p:cNvPr id="5" name="Slide Number Placeholder 4">
-            <a:extLst>
-              <a:ext uri="{FF2B5EF4-FFF2-40B4-BE49-F238E27FC236}">
-                <a16:creationId xmlns:a16="http://schemas.microsoft.com/office/drawing/2014/main" id="{E5057BBF-A75F-4833-AB50-9EA43ACD9085}"/>
-              </a:ext>
-            </a:extLst>
-          </p:cNvPr>
-          <p:cNvSpPr>
-            <a:spLocks noGrp="1"/>
-          </p:cNvSpPr>
-          <p:nvPr>
-            <p:ph type="sldNum" sz="quarter" idx="12"/>
-          </p:nvPr>
-        </p:nvSpPr>
-        <p:spPr/>
-        <p:txBody>
-          <a:bodyPr/>
-          <a:lstStyle/>
-          <a:p>
-            <a:fld id="{A90099C9-4CB8-9A40-B745-9AB270505907}" type="slidenum">
-              <a:rPr lang="en-US" smtClean="0"/>
-              <a:t>30</a:t>
-            </a:fld>
-            <a:endParaRPr lang="en-US"/>
           </a:p>
         </p:txBody>
       </p:sp>
@@ -13823,35 +13153,6 @@
           </a:p>
         </p:txBody>
       </p:sp>
-      <p:sp>
-        <p:nvSpPr>
-          <p:cNvPr id="5" name="Slide Number Placeholder 4">
-            <a:extLst>
-              <a:ext uri="{FF2B5EF4-FFF2-40B4-BE49-F238E27FC236}">
-                <a16:creationId xmlns:a16="http://schemas.microsoft.com/office/drawing/2014/main" id="{C55D7D00-DD19-4CF5-8452-8C0D5029EB9F}"/>
-              </a:ext>
-            </a:extLst>
-          </p:cNvPr>
-          <p:cNvSpPr>
-            <a:spLocks noGrp="1"/>
-          </p:cNvSpPr>
-          <p:nvPr>
-            <p:ph type="sldNum" sz="quarter" idx="12"/>
-          </p:nvPr>
-        </p:nvSpPr>
-        <p:spPr/>
-        <p:txBody>
-          <a:bodyPr/>
-          <a:lstStyle/>
-          <a:p>
-            <a:fld id="{A90099C9-4CB8-9A40-B745-9AB270505907}" type="slidenum">
-              <a:rPr lang="en-US" smtClean="0"/>
-              <a:t>31</a:t>
-            </a:fld>
-            <a:endParaRPr lang="en-US"/>
-          </a:p>
-        </p:txBody>
-      </p:sp>
     </p:spTree>
     <p:extLst>
       <p:ext uri="{BB962C8B-B14F-4D97-AF65-F5344CB8AC3E}">
@@ -14040,35 +13341,6 @@
           </a:p>
         </p:txBody>
       </p:sp>
-      <p:sp>
-        <p:nvSpPr>
-          <p:cNvPr id="4" name="Slide Number Placeholder 3">
-            <a:extLst>
-              <a:ext uri="{FF2B5EF4-FFF2-40B4-BE49-F238E27FC236}">
-                <a16:creationId xmlns:a16="http://schemas.microsoft.com/office/drawing/2014/main" id="{954DA3B1-45D2-4592-8577-48EEE565D42C}"/>
-              </a:ext>
-            </a:extLst>
-          </p:cNvPr>
-          <p:cNvSpPr>
-            <a:spLocks noGrp="1"/>
-          </p:cNvSpPr>
-          <p:nvPr>
-            <p:ph type="sldNum" sz="quarter" idx="12"/>
-          </p:nvPr>
-        </p:nvSpPr>
-        <p:spPr/>
-        <p:txBody>
-          <a:bodyPr/>
-          <a:lstStyle/>
-          <a:p>
-            <a:fld id="{A90099C9-4CB8-9A40-B745-9AB270505907}" type="slidenum">
-              <a:rPr lang="en-US" smtClean="0"/>
-              <a:t>32</a:t>
-            </a:fld>
-            <a:endParaRPr lang="en-US"/>
-          </a:p>
-        </p:txBody>
-      </p:sp>
     </p:spTree>
     <p:extLst>
       <p:ext uri="{BB962C8B-B14F-4D97-AF65-F5344CB8AC3E}">
@@ -14199,35 +13471,6 @@
           </a:p>
         </p:txBody>
       </p:sp>
-      <p:sp>
-        <p:nvSpPr>
-          <p:cNvPr id="4" name="Slide Number Placeholder 3">
-            <a:extLst>
-              <a:ext uri="{FF2B5EF4-FFF2-40B4-BE49-F238E27FC236}">
-                <a16:creationId xmlns:a16="http://schemas.microsoft.com/office/drawing/2014/main" id="{E6A8618B-B9B1-4A31-9BEE-0CC8E029A095}"/>
-              </a:ext>
-            </a:extLst>
-          </p:cNvPr>
-          <p:cNvSpPr>
-            <a:spLocks noGrp="1"/>
-          </p:cNvSpPr>
-          <p:nvPr>
-            <p:ph type="sldNum" sz="quarter" idx="12"/>
-          </p:nvPr>
-        </p:nvSpPr>
-        <p:spPr/>
-        <p:txBody>
-          <a:bodyPr/>
-          <a:lstStyle/>
-          <a:p>
-            <a:fld id="{A90099C9-4CB8-9A40-B745-9AB270505907}" type="slidenum">
-              <a:rPr lang="en-US" smtClean="0"/>
-              <a:t>33</a:t>
-            </a:fld>
-            <a:endParaRPr lang="en-US"/>
-          </a:p>
-        </p:txBody>
-      </p:sp>
     </p:spTree>
     <p:extLst>
       <p:ext uri="{BB962C8B-B14F-4D97-AF65-F5344CB8AC3E}">
@@ -14363,34 +13606,6 @@
           </a:p>
         </p:txBody>
       </p:sp>
-      <p:sp>
-        <p:nvSpPr>
-          <p:cNvPr id="4" name="Footer Placeholder 3">
-            <a:extLst>
-              <a:ext uri="{FF2B5EF4-FFF2-40B4-BE49-F238E27FC236}">
-                <a16:creationId xmlns:a16="http://schemas.microsoft.com/office/drawing/2014/main" id="{B7641932-0906-D843-BFA2-B3B4DD1B0598}"/>
-              </a:ext>
-            </a:extLst>
-          </p:cNvPr>
-          <p:cNvSpPr>
-            <a:spLocks noGrp="1"/>
-          </p:cNvSpPr>
-          <p:nvPr>
-            <p:ph type="ftr" sz="quarter" idx="11"/>
-          </p:nvPr>
-        </p:nvSpPr>
-        <p:spPr/>
-        <p:txBody>
-          <a:bodyPr/>
-          <a:lstStyle/>
-          <a:p>
-            <a:r>
-              <a:rPr lang="en-US" dirty="0"/>
-              <a:t>CFER - Jin Gao</a:t>
-            </a:r>
-          </a:p>
-        </p:txBody>
-      </p:sp>
     </p:spTree>
     <p:extLst>
       <p:ext uri="{BB962C8B-B14F-4D97-AF65-F5344CB8AC3E}">
@@ -14493,35 +13708,6 @@
           </a:p>
         </p:txBody>
       </p:sp>
-      <p:sp>
-        <p:nvSpPr>
-          <p:cNvPr id="4" name="Footer Placeholder 3">
-            <a:extLst>
-              <a:ext uri="{FF2B5EF4-FFF2-40B4-BE49-F238E27FC236}">
-                <a16:creationId xmlns:a16="http://schemas.microsoft.com/office/drawing/2014/main" id="{38D250F1-871D-9447-BC5E-31793465FE82}"/>
-              </a:ext>
-            </a:extLst>
-          </p:cNvPr>
-          <p:cNvSpPr>
-            <a:spLocks noGrp="1"/>
-          </p:cNvSpPr>
-          <p:nvPr>
-            <p:ph type="ftr" sz="quarter" idx="11"/>
-          </p:nvPr>
-        </p:nvSpPr>
-        <p:spPr/>
-        <p:txBody>
-          <a:bodyPr/>
-          <a:lstStyle/>
-          <a:p>
-            <a:r>
-              <a:rPr lang="en-US"/>
-              <a:t>CFER - Jin Gao</a:t>
-            </a:r>
-            <a:endParaRPr lang="en-US" dirty="0"/>
-          </a:p>
-        </p:txBody>
-      </p:sp>
     </p:spTree>
     <p:extLst>
       <p:ext uri="{BB962C8B-B14F-4D97-AF65-F5344CB8AC3E}">
@@ -14618,35 +13804,6 @@
           </a:p>
         </p:txBody>
       </p:sp>
-      <p:sp>
-        <p:nvSpPr>
-          <p:cNvPr id="4" name="Footer Placeholder 3">
-            <a:extLst>
-              <a:ext uri="{FF2B5EF4-FFF2-40B4-BE49-F238E27FC236}">
-                <a16:creationId xmlns:a16="http://schemas.microsoft.com/office/drawing/2014/main" id="{1B44C7B7-3196-834F-AD52-49F07341C0AB}"/>
-              </a:ext>
-            </a:extLst>
-          </p:cNvPr>
-          <p:cNvSpPr>
-            <a:spLocks noGrp="1"/>
-          </p:cNvSpPr>
-          <p:nvPr>
-            <p:ph type="ftr" sz="quarter" idx="11"/>
-          </p:nvPr>
-        </p:nvSpPr>
-        <p:spPr/>
-        <p:txBody>
-          <a:bodyPr/>
-          <a:lstStyle/>
-          <a:p>
-            <a:r>
-              <a:rPr lang="en-US"/>
-              <a:t>CFER - Jin Gao</a:t>
-            </a:r>
-            <a:endParaRPr lang="en-US" dirty="0"/>
-          </a:p>
-        </p:txBody>
-      </p:sp>
     </p:spTree>
     <p:extLst>
       <p:ext uri="{BB962C8B-B14F-4D97-AF65-F5344CB8AC3E}">
@@ -14812,35 +13969,6 @@
           </a:p>
         </p:txBody>
       </p:sp>
-      <p:sp>
-        <p:nvSpPr>
-          <p:cNvPr id="4" name="Footer Placeholder 3">
-            <a:extLst>
-              <a:ext uri="{FF2B5EF4-FFF2-40B4-BE49-F238E27FC236}">
-                <a16:creationId xmlns:a16="http://schemas.microsoft.com/office/drawing/2014/main" id="{0FF22900-5478-5341-838F-D84AAE50BAFD}"/>
-              </a:ext>
-            </a:extLst>
-          </p:cNvPr>
-          <p:cNvSpPr>
-            <a:spLocks noGrp="1"/>
-          </p:cNvSpPr>
-          <p:nvPr>
-            <p:ph type="ftr" sz="quarter" idx="11"/>
-          </p:nvPr>
-        </p:nvSpPr>
-        <p:spPr/>
-        <p:txBody>
-          <a:bodyPr/>
-          <a:lstStyle/>
-          <a:p>
-            <a:r>
-              <a:rPr lang="en-US"/>
-              <a:t>CFER - Jin Gao</a:t>
-            </a:r>
-            <a:endParaRPr lang="en-US" dirty="0"/>
-          </a:p>
-        </p:txBody>
-      </p:sp>
     </p:spTree>
     <p:extLst>
       <p:ext uri="{BB962C8B-B14F-4D97-AF65-F5344CB8AC3E}">
@@ -14959,35 +14087,6 @@
           </a:p>
         </p:txBody>
       </p:sp>
-      <p:sp>
-        <p:nvSpPr>
-          <p:cNvPr id="4" name="Footer Placeholder 3">
-            <a:extLst>
-              <a:ext uri="{FF2B5EF4-FFF2-40B4-BE49-F238E27FC236}">
-                <a16:creationId xmlns:a16="http://schemas.microsoft.com/office/drawing/2014/main" id="{6C39564E-B26A-8040-9666-25A0509E382E}"/>
-              </a:ext>
-            </a:extLst>
-          </p:cNvPr>
-          <p:cNvSpPr>
-            <a:spLocks noGrp="1"/>
-          </p:cNvSpPr>
-          <p:nvPr>
-            <p:ph type="ftr" sz="quarter" idx="11"/>
-          </p:nvPr>
-        </p:nvSpPr>
-        <p:spPr/>
-        <p:txBody>
-          <a:bodyPr/>
-          <a:lstStyle/>
-          <a:p>
-            <a:r>
-              <a:rPr lang="en-US"/>
-              <a:t>CFER - Jin Gao</a:t>
-            </a:r>
-            <a:endParaRPr lang="en-US" dirty="0"/>
-          </a:p>
-        </p:txBody>
-      </p:sp>
     </p:spTree>
     <p:extLst>
       <p:ext uri="{BB962C8B-B14F-4D97-AF65-F5344CB8AC3E}">
@@ -15042,34 +14141,6 @@
             <a:r>
               <a:rPr lang="en-US" cap="none" dirty="0"/>
               <a:t>Likelihood function and maximum likelihood</a:t>
-            </a:r>
-          </a:p>
-        </p:txBody>
-      </p:sp>
-      <p:sp>
-        <p:nvSpPr>
-          <p:cNvPr id="4" name="Footer Placeholder 3">
-            <a:extLst>
-              <a:ext uri="{FF2B5EF4-FFF2-40B4-BE49-F238E27FC236}">
-                <a16:creationId xmlns:a16="http://schemas.microsoft.com/office/drawing/2014/main" id="{E326CC8C-C52D-3B49-AD6F-693B60B2B8C3}"/>
-              </a:ext>
-            </a:extLst>
-          </p:cNvPr>
-          <p:cNvSpPr>
-            <a:spLocks noGrp="1"/>
-          </p:cNvSpPr>
-          <p:nvPr>
-            <p:ph type="ftr" sz="quarter" idx="11"/>
-          </p:nvPr>
-        </p:nvSpPr>
-        <p:spPr/>
-        <p:txBody>
-          <a:bodyPr/>
-          <a:lstStyle/>
-          <a:p>
-            <a:r>
-              <a:rPr lang="en-US" dirty="0"/>
-              <a:t>CFER - Jin Gao</a:t>
             </a:r>
           </a:p>
         </p:txBody>
